--- a/PPTs/L7.2 Q-Learning.pptx
+++ b/PPTs/L7.2 Q-Learning.pptx
@@ -8464,8 +8464,8 @@
           </a:p>
         </p:txBody>
       </p:sp>
-      <mc:AlternateContent xmlns:mc="http://schemas.openxmlformats.org/markup-compatibility/2006" xmlns:a14="http://schemas.microsoft.com/office/drawing/2010/main">
-        <mc:Choice Requires="a14">
+      <mc:AlternateContent xmlns:mc="http://schemas.openxmlformats.org/markup-compatibility/2006">
+        <mc:Choice xmlns:a14="http://schemas.microsoft.com/office/drawing/2010/main" Requires="a14">
           <p:sp>
             <p:nvSpPr>
               <p:cNvPr id="3" name="Content Placeholder 2">
@@ -8511,14 +8511,14 @@
                 <a:pPr lvl="1"/>
                 <a:r>
                   <a:rPr lang="en-US" dirty="0"/>
-                  <a:t>Given a state and action, our Q-Function will search into its Q-table the corresponding value.</a:t>
+                  <a:t>Given a state and an action, our Q-Function will search into its Q-table the corresponding value.</a:t>
                 </a:r>
               </a:p>
               <a:p>
                 <a:pPr lvl="1"/>
                 <a:r>
                   <a:rPr lang="en-US" dirty="0"/>
-                  <a:t>When the training is done, we have an optimal Q-function</a:t>
+                  <a:t>When the training is done, we have an accurate Q-function</a:t>
                 </a:r>
               </a:p>
               <a:p>
@@ -8532,7 +8532,7 @@
                 </a:r>
                 <a:r>
                   <a:rPr lang="en-US" dirty="0"/>
-                  <a:t>: given the optimal Q-function, the optimal policy is to choose the greedy (best) action that results in the highest Q value </a:t>
+                  <a:t>: given the accurate Q-function, the optimal policy is to choose the greedy (best) action that results in the highest Q value </a:t>
                 </a:r>
                 <a14:m>
                   <m:oMath xmlns:m="http://schemas.openxmlformats.org/officeDocument/2006/math">
@@ -8625,7 +8625,7 @@
             </p:txBody>
           </p:sp>
         </mc:Choice>
-        <mc:Fallback xmlns="">
+        <mc:Fallback>
           <p:sp>
             <p:nvSpPr>
               <p:cNvPr id="3" name="Content Placeholder 2">
@@ -9596,8 +9596,8 @@
           </p:sp>
         </mc:Fallback>
       </mc:AlternateContent>
-      <mc:AlternateContent xmlns:mc="http://schemas.openxmlformats.org/markup-compatibility/2006" xmlns:a14="http://schemas.microsoft.com/office/drawing/2010/main">
-        <mc:Choice Requires="a14">
+      <mc:AlternateContent xmlns:mc="http://schemas.openxmlformats.org/markup-compatibility/2006">
+        <mc:Choice xmlns:a14="http://schemas.microsoft.com/office/drawing/2010/main" Requires="a14">
           <p:sp>
             <p:nvSpPr>
               <p:cNvPr id="3" name="Content Placeholder 2">
@@ -9616,13 +9616,13 @@
             </p:nvSpPr>
             <p:spPr>
               <a:xfrm>
-                <a:off x="457200" y="1295399"/>
+                <a:off x="457200" y="1180067"/>
                 <a:ext cx="8229600" cy="2857123"/>
               </a:xfrm>
             </p:spPr>
             <p:txBody>
               <a:bodyPr>
-                <a:normAutofit fontScale="92500" lnSpcReduction="20000"/>
+                <a:normAutofit fontScale="70000" lnSpcReduction="20000"/>
               </a:bodyPr>
               <a:lstStyle/>
               <a:p>
@@ -9968,12 +9968,132 @@
                 <a:endParaRPr lang="en-US" dirty="0"/>
               </a:p>
               <a:p>
+                <a:pPr lvl="1"/>
+                <a:r>
+                  <a:rPr lang="en-US" dirty="0"/>
+                  <a:t>e.g., if </a:t>
+                </a:r>
+                <a14:m>
+                  <m:oMath xmlns:m="http://schemas.openxmlformats.org/officeDocument/2006/math">
+                    <m:r>
+                      <a:rPr lang="en-US" i="1" smtClean="0">
+                        <a:latin typeface="Cambria Math" panose="02040503050406030204" pitchFamily="18" charset="0"/>
+                      </a:rPr>
+                      <m:t>𝜖</m:t>
+                    </m:r>
+                    <m:r>
+                      <a:rPr lang="en-US" b="0" i="1" smtClean="0">
+                        <a:latin typeface="Cambria Math" panose="02040503050406030204" pitchFamily="18" charset="0"/>
+                      </a:rPr>
+                      <m:t>=.1</m:t>
+                    </m:r>
+                  </m:oMath>
+                </a14:m>
+                <a:r>
+                  <a:rPr lang="en-US" dirty="0"/>
+                  <a:t>, select each non-greedy action w. prob </a:t>
+                </a:r>
+                <a14:m>
+                  <m:oMath xmlns:m="http://schemas.openxmlformats.org/officeDocument/2006/math">
+                    <m:f>
+                      <m:fPr>
+                        <m:ctrlPr>
+                          <a:rPr lang="en-US" i="1">
+                            <a:latin typeface="Cambria Math" panose="02040503050406030204" pitchFamily="18" charset="0"/>
+                          </a:rPr>
+                        </m:ctrlPr>
+                      </m:fPr>
+                      <m:num>
+                        <m:r>
+                          <a:rPr lang="en-US" b="0" i="1" smtClean="0">
+                            <a:latin typeface="Cambria Math" panose="02040503050406030204" pitchFamily="18" charset="0"/>
+                          </a:rPr>
+                          <m:t>.1</m:t>
+                        </m:r>
+                      </m:num>
+                      <m:den>
+                        <m:r>
+                          <a:rPr lang="en-US" b="0" i="1" smtClean="0">
+                            <a:latin typeface="Cambria Math" panose="02040503050406030204" pitchFamily="18" charset="0"/>
+                          </a:rPr>
+                          <m:t>6</m:t>
+                        </m:r>
+                      </m:den>
+                    </m:f>
+                    <m:r>
+                      <a:rPr lang="en-US" b="0" i="1" smtClean="0">
+                        <a:latin typeface="Cambria Math" panose="02040503050406030204" pitchFamily="18" charset="0"/>
+                      </a:rPr>
+                      <m:t>=.017</m:t>
+                    </m:r>
+                  </m:oMath>
+                </a14:m>
+                <a:r>
+                  <a:rPr lang="en-US" dirty="0"/>
+                  <a:t>; the greedy action w. prob </a:t>
+                </a:r>
+                <a14:m>
+                  <m:oMath xmlns:m="http://schemas.openxmlformats.org/officeDocument/2006/math">
+                    <m:r>
+                      <a:rPr lang="en-US">
+                        <a:latin typeface="Cambria Math" panose="02040503050406030204" pitchFamily="18" charset="0"/>
+                      </a:rPr>
+                      <m:t>1−</m:t>
+                    </m:r>
+                    <m:r>
+                      <a:rPr lang="en-US" b="0" i="1" smtClean="0">
+                        <a:latin typeface="Cambria Math" panose="02040503050406030204" pitchFamily="18" charset="0"/>
+                      </a:rPr>
+                      <m:t>.1</m:t>
+                    </m:r>
+                    <m:r>
+                      <a:rPr lang="en-US" i="1">
+                        <a:latin typeface="Cambria Math" panose="02040503050406030204" pitchFamily="18" charset="0"/>
+                      </a:rPr>
+                      <m:t>+</m:t>
+                    </m:r>
+                    <m:f>
+                      <m:fPr>
+                        <m:ctrlPr>
+                          <a:rPr lang="en-US" i="1">
+                            <a:latin typeface="Cambria Math" panose="02040503050406030204" pitchFamily="18" charset="0"/>
+                          </a:rPr>
+                        </m:ctrlPr>
+                      </m:fPr>
+                      <m:num>
+                        <m:r>
+                          <a:rPr lang="en-US" b="0" i="1" smtClean="0">
+                            <a:latin typeface="Cambria Math" panose="02040503050406030204" pitchFamily="18" charset="0"/>
+                          </a:rPr>
+                          <m:t>.1</m:t>
+                        </m:r>
+                      </m:num>
+                      <m:den>
+                        <m:r>
+                          <a:rPr lang="en-US" b="0" i="1" smtClean="0">
+                            <a:latin typeface="Cambria Math" panose="02040503050406030204" pitchFamily="18" charset="0"/>
+                          </a:rPr>
+                          <m:t>6</m:t>
+                        </m:r>
+                      </m:den>
+                    </m:f>
+                    <m:r>
+                      <a:rPr lang="en-US" b="0" i="1" smtClean="0">
+                        <a:latin typeface="Cambria Math" panose="02040503050406030204" pitchFamily="18" charset="0"/>
+                      </a:rPr>
+                      <m:t>=.917</m:t>
+                    </m:r>
+                  </m:oMath>
+                </a14:m>
+                <a:endParaRPr lang="en-US" dirty="0"/>
+              </a:p>
+              <a:p>
                 <a:endParaRPr lang="en-SE" dirty="0"/>
               </a:p>
             </p:txBody>
           </p:sp>
         </mc:Choice>
-        <mc:Fallback xmlns="">
+        <mc:Fallback>
           <p:sp>
             <p:nvSpPr>
               <p:cNvPr id="3" name="Content Placeholder 2">
@@ -9992,13 +10112,13 @@
             </p:nvSpPr>
             <p:spPr>
               <a:xfrm>
-                <a:off x="457200" y="1295399"/>
+                <a:off x="457200" y="1180067"/>
                 <a:ext cx="8229600" cy="2857123"/>
               </a:xfrm>
               <a:blipFill>
                 <a:blip r:embed="rId3"/>
                 <a:stretch>
-                  <a:fillRect t="-5757" r="-815"/>
+                  <a:fillRect l="-889" t="-3632"/>
                 </a:stretch>
               </a:blipFill>
             </p:spPr>
@@ -10486,8 +10606,8 @@
           </a:p>
         </p:txBody>
       </p:sp>
-      <mc:AlternateContent xmlns:mc="http://schemas.openxmlformats.org/markup-compatibility/2006" xmlns:a14="http://schemas.microsoft.com/office/drawing/2010/main">
-        <mc:Choice Requires="a14">
+      <mc:AlternateContent xmlns:mc="http://schemas.openxmlformats.org/markup-compatibility/2006">
+        <mc:Choice xmlns:a14="http://schemas.microsoft.com/office/drawing/2010/main" Requires="a14">
           <p:sp>
             <p:nvSpPr>
               <p:cNvPr id="3" name="Content Placeholder 2">
@@ -10537,7 +10657,7 @@
               <a:p>
                 <a:r>
                   <a:rPr lang="en-US" dirty="0"/>
-                  <a:t>The episode ends if rat eats the poison, east the big pile of cheese, or if it spends more than 5 steps.</a:t>
+                  <a:t>The episode ends if rat eats the poison, eats the big pile of cheese, or if it spends more than 5 steps.</a:t>
                 </a:r>
               </a:p>
               <a:p>
@@ -10595,7 +10715,7 @@
             </p:txBody>
           </p:sp>
         </mc:Choice>
-        <mc:Fallback xmlns="">
+        <mc:Fallback>
           <p:sp>
             <p:nvSpPr>
               <p:cNvPr id="3" name="Content Placeholder 2">
@@ -12273,7 +12393,7 @@
         </p:blipFill>
         <p:spPr>
           <a:xfrm>
-            <a:off x="258792" y="2019322"/>
+            <a:off x="258792" y="1632138"/>
             <a:ext cx="3867690" cy="2267266"/>
           </a:xfrm>
           <a:prstGeom prst="rect">
@@ -12303,7 +12423,7 @@
         </p:blipFill>
         <p:spPr>
           <a:xfrm>
-            <a:off x="4914091" y="2019322"/>
+            <a:off x="4914091" y="1632138"/>
             <a:ext cx="3867690" cy="2267266"/>
           </a:xfrm>
           <a:prstGeom prst="rect">
@@ -12325,7 +12445,7 @@
         </p:nvSpPr>
         <p:spPr bwMode="auto">
           <a:xfrm>
-            <a:off x="4301794" y="2777707"/>
+            <a:off x="4301794" y="2390523"/>
             <a:ext cx="540411" cy="388188"/>
           </a:xfrm>
           <a:prstGeom prst="rightArrow">
@@ -12384,6 +12504,53 @@
           </a:p>
         </p:txBody>
       </p:sp>
+      <p:pic>
+        <p:nvPicPr>
+          <p:cNvPr id="3" name="Picture 2" descr="Maze example">
+            <a:extLst>
+              <a:ext uri="{FF2B5EF4-FFF2-40B4-BE49-F238E27FC236}">
+                <a16:creationId xmlns:a16="http://schemas.microsoft.com/office/drawing/2014/main" id="{F0F07DD9-FF4C-78EE-D555-536F64D55013}"/>
+              </a:ext>
+            </a:extLst>
+          </p:cNvPr>
+          <p:cNvPicPr>
+            <a:picLocks noChangeAspect="1" noChangeArrowheads="1"/>
+          </p:cNvPicPr>
+          <p:nvPr/>
+        </p:nvPicPr>
+        <p:blipFill>
+          <a:blip r:embed="rId4">
+            <a:extLst>
+              <a:ext uri="{28A0092B-C50C-407E-A947-70E740481C1C}">
+                <a14:useLocalDpi xmlns:a14="http://schemas.microsoft.com/office/drawing/2010/main" val="0"/>
+              </a:ext>
+            </a:extLst>
+          </a:blip>
+          <a:srcRect/>
+          <a:stretch>
+            <a:fillRect/>
+          </a:stretch>
+        </p:blipFill>
+        <p:spPr bwMode="auto">
+          <a:xfrm>
+            <a:off x="2402318" y="3961867"/>
+            <a:ext cx="4339364" cy="2690405"/>
+          </a:xfrm>
+          <a:prstGeom prst="rect">
+            <a:avLst/>
+          </a:prstGeom>
+          <a:noFill/>
+          <a:extLst>
+            <a:ext uri="{909E8E84-426E-40DD-AFC4-6F175D3DCCD1}">
+              <a14:hiddenFill xmlns:a14="http://schemas.microsoft.com/office/drawing/2010/main">
+                <a:solidFill>
+                  <a:srgbClr val="FFFFFF"/>
+                </a:solidFill>
+              </a14:hiddenFill>
+            </a:ext>
+          </a:extLst>
+        </p:spPr>
+      </p:pic>
     </p:spTree>
     <p:extLst>
       <p:ext uri="{BB962C8B-B14F-4D97-AF65-F5344CB8AC3E}">

--- a/PPTs/L7.2 Q-Learning.pptx
+++ b/PPTs/L7.2 Q-Learning.pptx
@@ -8464,8 +8464,8 @@
           </a:p>
         </p:txBody>
       </p:sp>
-      <mc:AlternateContent xmlns:mc="http://schemas.openxmlformats.org/markup-compatibility/2006">
-        <mc:Choice xmlns:a14="http://schemas.microsoft.com/office/drawing/2010/main" Requires="a14">
+      <mc:AlternateContent xmlns:mc="http://schemas.openxmlformats.org/markup-compatibility/2006" xmlns:a14="http://schemas.microsoft.com/office/drawing/2010/main">
+        <mc:Choice Requires="a14">
           <p:sp>
             <p:nvSpPr>
               <p:cNvPr id="3" name="Content Placeholder 2">
@@ -8625,7 +8625,7 @@
             </p:txBody>
           </p:sp>
         </mc:Choice>
-        <mc:Fallback>
+        <mc:Fallback xmlns="">
           <p:sp>
             <p:nvSpPr>
               <p:cNvPr id="3" name="Content Placeholder 2">
@@ -9596,8 +9596,8 @@
           </p:sp>
         </mc:Fallback>
       </mc:AlternateContent>
-      <mc:AlternateContent xmlns:mc="http://schemas.openxmlformats.org/markup-compatibility/2006">
-        <mc:Choice xmlns:a14="http://schemas.microsoft.com/office/drawing/2010/main" Requires="a14">
+      <mc:AlternateContent xmlns:mc="http://schemas.openxmlformats.org/markup-compatibility/2006" xmlns:a14="http://schemas.microsoft.com/office/drawing/2010/main">
+        <mc:Choice Requires="a14">
           <p:sp>
             <p:nvSpPr>
               <p:cNvPr id="3" name="Content Placeholder 2">
@@ -10093,7 +10093,7 @@
             </p:txBody>
           </p:sp>
         </mc:Choice>
-        <mc:Fallback>
+        <mc:Fallback xmlns="">
           <p:sp>
             <p:nvSpPr>
               <p:cNvPr id="3" name="Content Placeholder 2">
@@ -10606,8 +10606,8 @@
           </a:p>
         </p:txBody>
       </p:sp>
-      <mc:AlternateContent xmlns:mc="http://schemas.openxmlformats.org/markup-compatibility/2006">
-        <mc:Choice xmlns:a14="http://schemas.microsoft.com/office/drawing/2010/main" Requires="a14">
+      <mc:AlternateContent xmlns:mc="http://schemas.openxmlformats.org/markup-compatibility/2006" xmlns:a14="http://schemas.microsoft.com/office/drawing/2010/main">
+        <mc:Choice Requires="a14">
           <p:sp>
             <p:nvSpPr>
               <p:cNvPr id="3" name="Content Placeholder 2">
@@ -10715,7 +10715,7 @@
             </p:txBody>
           </p:sp>
         </mc:Choice>
-        <mc:Fallback>
+        <mc:Fallback xmlns="">
           <p:sp>
             <p:nvSpPr>
               <p:cNvPr id="3" name="Content Placeholder 2">
@@ -12393,7 +12393,7 @@
         </p:blipFill>
         <p:spPr>
           <a:xfrm>
-            <a:off x="258792" y="1632138"/>
+            <a:off x="258792" y="1541520"/>
             <a:ext cx="3867690" cy="2267266"/>
           </a:xfrm>
           <a:prstGeom prst="rect">
@@ -12423,7 +12423,7 @@
         </p:blipFill>
         <p:spPr>
           <a:xfrm>
-            <a:off x="4914091" y="1632138"/>
+            <a:off x="4914091" y="1541520"/>
             <a:ext cx="3867690" cy="2267266"/>
           </a:xfrm>
           <a:prstGeom prst="rect">
@@ -12445,7 +12445,7 @@
         </p:nvSpPr>
         <p:spPr bwMode="auto">
           <a:xfrm>
-            <a:off x="4301794" y="2390523"/>
+            <a:off x="4301794" y="2299905"/>
             <a:ext cx="540411" cy="388188"/>
           </a:xfrm>
           <a:prstGeom prst="rightArrow">
@@ -12551,6 +12551,151 @@
           </a:extLst>
         </p:spPr>
       </p:pic>
+      <p:sp>
+        <p:nvSpPr>
+          <p:cNvPr id="5" name="Rectangle 4">
+            <a:extLst>
+              <a:ext uri="{FF2B5EF4-FFF2-40B4-BE49-F238E27FC236}">
+                <a16:creationId xmlns:a16="http://schemas.microsoft.com/office/drawing/2014/main" id="{DC7FBA8D-F111-6FAA-BB1B-7818C3703CBE}"/>
+              </a:ext>
+            </a:extLst>
+          </p:cNvPr>
+          <p:cNvSpPr/>
+          <p:nvPr/>
+        </p:nvSpPr>
+        <p:spPr bwMode="auto">
+          <a:xfrm>
+            <a:off x="5914768" y="2858528"/>
+            <a:ext cx="321275" cy="181232"/>
+          </a:xfrm>
+          <a:prstGeom prst="rect">
+            <a:avLst/>
+          </a:prstGeom>
+          <a:solidFill>
+            <a:schemeClr val="bg1"/>
+          </a:solidFill>
+          <a:ln w="25400" cap="flat" cmpd="sng" algn="ctr">
+            <a:noFill/>
+            <a:prstDash val="solid"/>
+            <a:round/>
+            <a:headEnd type="none" w="med" len="med"/>
+            <a:tailEnd type="none" w="med" len="med"/>
+          </a:ln>
+          <a:effectLst/>
+        </p:spPr>
+        <p:txBody>
+          <a:bodyPr vert="horz" wrap="square" lIns="91440" tIns="45720" rIns="91440" bIns="45720" numCol="1" rtlCol="0" anchor="t" anchorCtr="0" compatLnSpc="1">
+            <a:prstTxWarp prst="textNoShape">
+              <a:avLst/>
+            </a:prstTxWarp>
+          </a:bodyPr>
+          <a:lstStyle/>
+          <a:p>
+            <a:pPr marL="0" marR="0" indent="0" algn="l" defTabSz="914400" rtl="0" eaLnBrk="1" fontAlgn="base" latinLnBrk="0" hangingPunct="1">
+              <a:lnSpc>
+                <a:spcPct val="100000"/>
+              </a:lnSpc>
+              <a:spcBef>
+                <a:spcPct val="0"/>
+              </a:spcBef>
+              <a:spcAft>
+                <a:spcPct val="0"/>
+              </a:spcAft>
+              <a:buClrTx/>
+              <a:buSzTx/>
+              <a:buFontTx/>
+              <a:buNone/>
+              <a:tabLst/>
+            </a:pPr>
+            <a:endParaRPr kumimoji="0" lang="en-SE" sz="1800" b="0" i="0" u="none" strike="noStrike" cap="none" normalizeH="0" baseline="0">
+              <a:ln>
+                <a:noFill/>
+              </a:ln>
+              <a:solidFill>
+                <a:schemeClr val="tx1"/>
+              </a:solidFill>
+              <a:effectLst/>
+              <a:latin typeface="Arial" charset="0"/>
+            </a:endParaRPr>
+          </a:p>
+        </p:txBody>
+      </p:sp>
+      <p:sp>
+        <p:nvSpPr>
+          <p:cNvPr id="7" name="TextBox 6">
+            <a:extLst>
+              <a:ext uri="{FF2B5EF4-FFF2-40B4-BE49-F238E27FC236}">
+                <a16:creationId xmlns:a16="http://schemas.microsoft.com/office/drawing/2014/main" id="{D85806D9-0015-22B0-92F7-C466FBB531F0}"/>
+              </a:ext>
+            </a:extLst>
+          </p:cNvPr>
+          <p:cNvSpPr txBox="1"/>
+          <p:nvPr/>
+        </p:nvSpPr>
+        <p:spPr>
+          <a:xfrm>
+            <a:off x="6675007" y="2841001"/>
+            <a:ext cx="351378" cy="230832"/>
+          </a:xfrm>
+          <a:prstGeom prst="rect">
+            <a:avLst/>
+          </a:prstGeom>
+          <a:solidFill>
+            <a:schemeClr val="bg1"/>
+          </a:solidFill>
+        </p:spPr>
+        <p:txBody>
+          <a:bodyPr wrap="none" rtlCol="0">
+            <a:spAutoFit/>
+          </a:bodyPr>
+          <a:lstStyle/>
+          <a:p>
+            <a:r>
+              <a:rPr lang="en-US" sz="900" dirty="0"/>
+              <a:t>-10</a:t>
+            </a:r>
+            <a:endParaRPr lang="en-SE" sz="900" dirty="0"/>
+          </a:p>
+        </p:txBody>
+      </p:sp>
+      <p:sp>
+        <p:nvSpPr>
+          <p:cNvPr id="10" name="TextBox 9">
+            <a:extLst>
+              <a:ext uri="{FF2B5EF4-FFF2-40B4-BE49-F238E27FC236}">
+                <a16:creationId xmlns:a16="http://schemas.microsoft.com/office/drawing/2014/main" id="{90C770A8-F8C4-6313-4A5A-4D88DBE02A1B}"/>
+              </a:ext>
+            </a:extLst>
+          </p:cNvPr>
+          <p:cNvSpPr txBox="1"/>
+          <p:nvPr/>
+        </p:nvSpPr>
+        <p:spPr>
+          <a:xfrm>
+            <a:off x="5968913" y="2832763"/>
+            <a:ext cx="248786" cy="230832"/>
+          </a:xfrm>
+          <a:prstGeom prst="rect">
+            <a:avLst/>
+          </a:prstGeom>
+          <a:solidFill>
+            <a:schemeClr val="bg1"/>
+          </a:solidFill>
+        </p:spPr>
+        <p:txBody>
+          <a:bodyPr wrap="none" rtlCol="0">
+            <a:spAutoFit/>
+          </a:bodyPr>
+          <a:lstStyle/>
+          <a:p>
+            <a:r>
+              <a:rPr lang="en-US" sz="900" dirty="0"/>
+              <a:t>0</a:t>
+            </a:r>
+            <a:endParaRPr lang="en-SE" sz="900" dirty="0"/>
+          </a:p>
+        </p:txBody>
+      </p:sp>
     </p:spTree>
     <p:extLst>
       <p:ext uri="{BB962C8B-B14F-4D97-AF65-F5344CB8AC3E}">

--- a/PPTs/L7.2 Q-Learning.pptx
+++ b/PPTs/L7.2 Q-Learning.pptx
@@ -808,6 +808,100 @@
     <p:extLst>
       <p:ext uri="{BB962C8B-B14F-4D97-AF65-F5344CB8AC3E}">
         <p14:creationId xmlns:p14="http://schemas.microsoft.com/office/powerpoint/2010/main" val="300301780"/>
+      </p:ext>
+    </p:extLst>
+  </p:cSld>
+  <p:clrMapOvr>
+    <a:masterClrMapping/>
+  </p:clrMapOvr>
+</p:notes>
+</file>
+
+<file path=ppt/notesSlides/notesSlide10.xml><?xml version="1.0" encoding="utf-8"?>
+<p:notes xmlns:a="http://schemas.openxmlformats.org/drawingml/2006/main" xmlns:r="http://schemas.openxmlformats.org/officeDocument/2006/relationships" xmlns:p="http://schemas.openxmlformats.org/presentationml/2006/main">
+  <p:cSld>
+    <p:spTree>
+      <p:nvGrpSpPr>
+        <p:cNvPr id="1" name=""/>
+        <p:cNvGrpSpPr/>
+        <p:nvPr/>
+      </p:nvGrpSpPr>
+      <p:grpSpPr>
+        <a:xfrm>
+          <a:off x="0" y="0"/>
+          <a:ext cx="0" cy="0"/>
+          <a:chOff x="0" y="0"/>
+          <a:chExt cx="0" cy="0"/>
+        </a:xfrm>
+      </p:grpSpPr>
+      <p:sp>
+        <p:nvSpPr>
+          <p:cNvPr id="2" name="Slide Image Placeholder 1"/>
+          <p:cNvSpPr>
+            <a:spLocks noGrp="1" noRot="1" noChangeAspect="1"/>
+          </p:cNvSpPr>
+          <p:nvPr>
+            <p:ph type="sldImg"/>
+          </p:nvPr>
+        </p:nvSpPr>
+        <p:spPr/>
+      </p:sp>
+      <p:sp>
+        <p:nvSpPr>
+          <p:cNvPr id="3" name="Notes Placeholder 2"/>
+          <p:cNvSpPr>
+            <a:spLocks noGrp="1"/>
+          </p:cNvSpPr>
+          <p:nvPr>
+            <p:ph type="body" idx="1"/>
+          </p:nvPr>
+        </p:nvSpPr>
+        <p:spPr/>
+        <p:txBody>
+          <a:bodyPr/>
+          <a:lstStyle/>
+          <a:p>
+            <a:r>
+              <a:rPr lang="en-US" dirty="0"/>
+              <a:t>1-.2+.2/5</a:t>
+            </a:r>
+            <a:endParaRPr lang="en-SE" dirty="0"/>
+          </a:p>
+        </p:txBody>
+      </p:sp>
+      <p:sp>
+        <p:nvSpPr>
+          <p:cNvPr id="4" name="Slide Number Placeholder 3"/>
+          <p:cNvSpPr>
+            <a:spLocks noGrp="1"/>
+          </p:cNvSpPr>
+          <p:nvPr>
+            <p:ph type="sldNum" sz="quarter" idx="5"/>
+          </p:nvPr>
+        </p:nvSpPr>
+        <p:spPr/>
+        <p:txBody>
+          <a:bodyPr/>
+          <a:lstStyle/>
+          <a:p>
+            <a:pPr>
+              <a:defRPr/>
+            </a:pPr>
+            <a:fld id="{6FA21340-DBF0-4FAC-9DE2-FD6DB24B56C8}" type="slidenum">
+              <a:rPr lang="en-US" altLang="zh-CN" smtClean="0"/>
+              <a:pPr>
+                <a:defRPr/>
+              </a:pPr>
+              <a:t>15</a:t>
+            </a:fld>
+            <a:endParaRPr lang="en-US" altLang="zh-CN"/>
+          </a:p>
+        </p:txBody>
+      </p:sp>
+    </p:spTree>
+    <p:extLst>
+      <p:ext uri="{BB962C8B-B14F-4D97-AF65-F5344CB8AC3E}">
+        <p14:creationId xmlns:p14="http://schemas.microsoft.com/office/powerpoint/2010/main" val="2397777071"/>
       </p:ext>
     </p:extLst>
   </p:cSld>
@@ -9575,7 +9669,7 @@
             </p:nvSpPr>
             <p:spPr>
               <a:blipFill>
-                <a:blip r:embed="rId2"/>
+                <a:blip r:embed="rId3"/>
                 <a:stretch>
                   <a:fillRect t="-2797" b="-20280"/>
                 </a:stretch>
@@ -10116,7 +10210,7 @@
                 <a:ext cx="8229600" cy="2857123"/>
               </a:xfrm>
               <a:blipFill>
-                <a:blip r:embed="rId3"/>
+                <a:blip r:embed="rId4"/>
                 <a:stretch>
                   <a:fillRect l="-889" t="-3632"/>
                 </a:stretch>
@@ -10187,7 +10281,7 @@
           <p:nvPr/>
         </p:nvPicPr>
         <p:blipFill>
-          <a:blip r:embed="rId4"/>
+          <a:blip r:embed="rId5"/>
           <a:stretch>
             <a:fillRect/>
           </a:stretch>
@@ -13850,8 +13944,8 @@
           </a:p>
         </p:txBody>
       </p:sp>
-      <mc:AlternateContent xmlns:mc="http://schemas.openxmlformats.org/markup-compatibility/2006" xmlns:a14="http://schemas.microsoft.com/office/drawing/2010/main">
-        <mc:Choice Requires="a14">
+      <mc:AlternateContent xmlns:mc="http://schemas.openxmlformats.org/markup-compatibility/2006">
+        <mc:Choice xmlns:a14="http://schemas.microsoft.com/office/drawing/2010/main" Requires="a14">
           <p:sp>
             <p:nvSpPr>
               <p:cNvPr id="3" name="Content Placeholder 2">
@@ -13916,7 +14010,7 @@
                 <a:pPr lvl="1"/>
                 <a:r>
                   <a:rPr lang="en-US" dirty="0"/>
-                  <a:t>Need to separately add </a:t>
+                  <a:t>Needs to separately add </a:t>
                 </a:r>
                 <a14:m>
                   <m:oMath xmlns:m="http://schemas.openxmlformats.org/officeDocument/2006/math">
@@ -13937,7 +14031,7 @@
             </p:txBody>
           </p:sp>
         </mc:Choice>
-        <mc:Fallback xmlns="">
+        <mc:Fallback>
           <p:sp>
             <p:nvSpPr>
               <p:cNvPr id="3" name="Content Placeholder 2">
@@ -13958,7 +14052,7 @@
               <a:blipFill>
                 <a:blip r:embed="rId2"/>
                 <a:stretch>
-                  <a:fillRect l="-1704" t="-1553" r="-593"/>
+                  <a:fillRect l="-1704" t="-1553"/>
                 </a:stretch>
               </a:blipFill>
             </p:spPr>

--- a/PPTs/L7.2 Q-Learning.pptx
+++ b/PPTs/L7.2 Q-Learning.pptx
@@ -34,7 +34,7 @@
     <p:sldId id="1189" r:id="rId25"/>
     <p:sldId id="1196" r:id="rId26"/>
     <p:sldId id="1111" r:id="rId27"/>
-    <p:sldId id="1107" r:id="rId28"/>
+    <p:sldId id="1199" r:id="rId28"/>
     <p:sldId id="1197" r:id="rId29"/>
     <p:sldId id="1198" r:id="rId30"/>
   </p:sldIdLst>
@@ -196,7 +196,7 @@
             <p14:sldId id="1189"/>
             <p14:sldId id="1196"/>
             <p14:sldId id="1111"/>
-            <p14:sldId id="1107"/>
+            <p14:sldId id="1199"/>
             <p14:sldId id="1197"/>
             <p14:sldId id="1198"/>
           </p14:sldIdLst>
@@ -902,6 +902,100 @@
     <p:extLst>
       <p:ext uri="{BB962C8B-B14F-4D97-AF65-F5344CB8AC3E}">
         <p14:creationId xmlns:p14="http://schemas.microsoft.com/office/powerpoint/2010/main" val="2397777071"/>
+      </p:ext>
+    </p:extLst>
+  </p:cSld>
+  <p:clrMapOvr>
+    <a:masterClrMapping/>
+  </p:clrMapOvr>
+</p:notes>
+</file>
+
+<file path=ppt/notesSlides/notesSlide11.xml><?xml version="1.0" encoding="utf-8"?>
+<p:notes xmlns:a="http://schemas.openxmlformats.org/drawingml/2006/main" xmlns:r="http://schemas.openxmlformats.org/officeDocument/2006/relationships" xmlns:p="http://schemas.openxmlformats.org/presentationml/2006/main">
+  <p:cSld>
+    <p:spTree>
+      <p:nvGrpSpPr>
+        <p:cNvPr id="1" name=""/>
+        <p:cNvGrpSpPr/>
+        <p:nvPr/>
+      </p:nvGrpSpPr>
+      <p:grpSpPr>
+        <a:xfrm>
+          <a:off x="0" y="0"/>
+          <a:ext cx="0" cy="0"/>
+          <a:chOff x="0" y="0"/>
+          <a:chExt cx="0" cy="0"/>
+        </a:xfrm>
+      </p:grpSpPr>
+      <p:sp>
+        <p:nvSpPr>
+          <p:cNvPr id="2" name="Slide Image Placeholder 1"/>
+          <p:cNvSpPr>
+            <a:spLocks noGrp="1" noRot="1" noChangeAspect="1"/>
+          </p:cNvSpPr>
+          <p:nvPr>
+            <p:ph type="sldImg"/>
+          </p:nvPr>
+        </p:nvSpPr>
+        <p:spPr/>
+      </p:sp>
+      <p:sp>
+        <p:nvSpPr>
+          <p:cNvPr id="3" name="Notes Placeholder 2"/>
+          <p:cNvSpPr>
+            <a:spLocks noGrp="1"/>
+          </p:cNvSpPr>
+          <p:nvPr>
+            <p:ph type="body" idx="1"/>
+          </p:nvPr>
+        </p:nvSpPr>
+        <p:spPr/>
+        <p:txBody>
+          <a:bodyPr/>
+          <a:lstStyle/>
+          <a:p>
+            <a:r>
+              <a:rPr lang="en-US" dirty="0"/>
+              <a:t>(“Dumb way” corresponds to upper middle figure, and “Smart way” corresponds to upper right figure</a:t>
+            </a:r>
+            <a:endParaRPr lang="en-SE" dirty="0"/>
+          </a:p>
+        </p:txBody>
+      </p:sp>
+      <p:sp>
+        <p:nvSpPr>
+          <p:cNvPr id="4" name="Slide Number Placeholder 3"/>
+          <p:cNvSpPr>
+            <a:spLocks noGrp="1"/>
+          </p:cNvSpPr>
+          <p:nvPr>
+            <p:ph type="sldNum" sz="quarter" idx="5"/>
+          </p:nvPr>
+        </p:nvSpPr>
+        <p:spPr/>
+        <p:txBody>
+          <a:bodyPr/>
+          <a:lstStyle/>
+          <a:p>
+            <a:pPr>
+              <a:defRPr/>
+            </a:pPr>
+            <a:fld id="{6FA21340-DBF0-4FAC-9DE2-FD6DB24B56C8}" type="slidenum">
+              <a:rPr lang="en-US" altLang="zh-CN" smtClean="0"/>
+              <a:pPr>
+                <a:defRPr/>
+              </a:pPr>
+              <a:t>27</a:t>
+            </a:fld>
+            <a:endParaRPr lang="en-US" altLang="zh-CN"/>
+          </a:p>
+        </p:txBody>
+      </p:sp>
+    </p:spTree>
+    <p:extLst>
+      <p:ext uri="{BB962C8B-B14F-4D97-AF65-F5344CB8AC3E}">
+        <p14:creationId xmlns:p14="http://schemas.microsoft.com/office/powerpoint/2010/main" val="2431051040"/>
       </p:ext>
     </p:extLst>
   </p:cSld>
@@ -6044,8 +6138,8 @@
         </p:nvSpPr>
         <p:spPr>
           <a:xfrm>
-            <a:off x="1371600" y="3429000"/>
-            <a:ext cx="6400800" cy="1752600"/>
+            <a:off x="1371600" y="6081119"/>
+            <a:ext cx="6400800" cy="518117"/>
           </a:xfrm>
         </p:spPr>
         <p:txBody>
@@ -6055,14 +6149,9 @@
           <a:lstStyle/>
           <a:p>
             <a:r>
-              <a:rPr lang="en-US" altLang="zh-CN" dirty="0"/>
-              <a:t>Zonghua </a:t>
+              <a:rPr lang="en-US" altLang="zh-CN" sz="2000" dirty="0"/>
+              <a:t>Zonghua Gu 2023</a:t>
             </a:r>
-            <a:r>
-              <a:rPr lang="en-US" altLang="zh-CN"/>
-              <a:t>Gu 2022</a:t>
-            </a:r>
-            <a:endParaRPr lang="en-US" altLang="zh-CN" dirty="0"/>
           </a:p>
         </p:txBody>
       </p:sp>
@@ -6237,7 +6326,7 @@
         </p:blipFill>
         <p:spPr bwMode="auto">
           <a:xfrm>
-            <a:off x="2519362" y="3947117"/>
+            <a:off x="2519362" y="3499844"/>
             <a:ext cx="4105275" cy="2581275"/>
           </a:xfrm>
           <a:prstGeom prst="rect">
@@ -7656,7 +7745,7 @@
         </p:blipFill>
         <p:spPr>
           <a:xfrm>
-            <a:off x="662791" y="3484882"/>
+            <a:off x="662791" y="3320122"/>
             <a:ext cx="7772400" cy="3185264"/>
           </a:xfrm>
           <a:prstGeom prst="rect">
@@ -7693,8 +7782,8 @@
           </a:p>
         </p:txBody>
       </p:sp>
-      <mc:AlternateContent xmlns:mc="http://schemas.openxmlformats.org/markup-compatibility/2006" xmlns:a14="http://schemas.microsoft.com/office/drawing/2010/main">
-        <mc:Choice Requires="a14">
+      <mc:AlternateContent xmlns:mc="http://schemas.openxmlformats.org/markup-compatibility/2006">
+        <mc:Choice xmlns:a14="http://schemas.microsoft.com/office/drawing/2010/main" Requires="a14">
           <p:sp>
             <p:nvSpPr>
               <p:cNvPr id="11" name="TextBox 10">
@@ -7709,7 +7798,7 @@
             </p:nvSpPr>
             <p:spPr>
               <a:xfrm>
-                <a:off x="2895600" y="6019800"/>
+                <a:off x="2895600" y="5855040"/>
                 <a:ext cx="5638800" cy="589649"/>
               </a:xfrm>
               <a:prstGeom prst="rect">
@@ -7926,7 +8015,7 @@
             </p:txBody>
           </p:sp>
         </mc:Choice>
-        <mc:Fallback xmlns="">
+        <mc:Fallback>
           <p:sp>
             <p:nvSpPr>
               <p:cNvPr id="11" name="TextBox 10">
@@ -7943,7 +8032,7 @@
             </p:nvSpPr>
             <p:spPr>
               <a:xfrm>
-                <a:off x="2895600" y="6019800"/>
+                <a:off x="2895600" y="5855040"/>
                 <a:ext cx="5638800" cy="589649"/>
               </a:xfrm>
               <a:prstGeom prst="rect">
@@ -8558,8 +8647,8 @@
           </a:p>
         </p:txBody>
       </p:sp>
-      <mc:AlternateContent xmlns:mc="http://schemas.openxmlformats.org/markup-compatibility/2006" xmlns:a14="http://schemas.microsoft.com/office/drawing/2010/main">
-        <mc:Choice Requires="a14">
+      <mc:AlternateContent xmlns:mc="http://schemas.openxmlformats.org/markup-compatibility/2006">
+        <mc:Choice xmlns:a14="http://schemas.microsoft.com/office/drawing/2010/main" Requires="a14">
           <p:sp>
             <p:nvSpPr>
               <p:cNvPr id="3" name="Content Placeholder 2">
@@ -8612,7 +8701,7 @@
                 <a:pPr lvl="1"/>
                 <a:r>
                   <a:rPr lang="en-US" dirty="0"/>
-                  <a:t>When the training is done, we have an accurate Q-function</a:t>
+                  <a:t>When the training is done, we have learned a Q-function</a:t>
                 </a:r>
               </a:p>
               <a:p>
@@ -8626,7 +8715,7 @@
                 </a:r>
                 <a:r>
                   <a:rPr lang="en-US" dirty="0"/>
-                  <a:t>: given the accurate Q-function, the optimal policy is to choose the greedy (best) action that results in the highest Q value </a:t>
+                  <a:t>: given the learned  Q-function, the optimal policy is to choose the greedy (best) action that results in the highest Q value </a:t>
                 </a:r>
                 <a14:m>
                   <m:oMath xmlns:m="http://schemas.openxmlformats.org/officeDocument/2006/math">
@@ -8719,7 +8808,7 @@
             </p:txBody>
           </p:sp>
         </mc:Choice>
-        <mc:Fallback xmlns="">
+        <mc:Fallback>
           <p:sp>
             <p:nvSpPr>
               <p:cNvPr id="3" name="Content Placeholder 2">
@@ -13160,8 +13249,8 @@
           </a:p>
         </p:txBody>
       </p:sp>
-      <mc:AlternateContent xmlns:mc="http://schemas.openxmlformats.org/markup-compatibility/2006" xmlns:a14="http://schemas.microsoft.com/office/drawing/2010/main">
-        <mc:Choice Requires="a14">
+      <mc:AlternateContent xmlns:mc="http://schemas.openxmlformats.org/markup-compatibility/2006">
+        <mc:Choice xmlns:a14="http://schemas.microsoft.com/office/drawing/2010/main" Requires="a14">
           <p:sp>
             <p:nvSpPr>
               <p:cNvPr id="3" name="Content Placeholder 2">
@@ -13181,12 +13270,12 @@
             <p:spPr>
               <a:xfrm>
                 <a:off x="76200" y="1181819"/>
-                <a:ext cx="4572000" cy="5854027"/>
+                <a:ext cx="4572000" cy="5592691"/>
               </a:xfrm>
             </p:spPr>
             <p:txBody>
               <a:bodyPr>
-                <a:normAutofit fontScale="77500" lnSpcReduction="20000"/>
+                <a:normAutofit fontScale="85000" lnSpcReduction="20000"/>
               </a:bodyPr>
               <a:lstStyle/>
               <a:p>
@@ -13582,7 +13671,7 @@
                 <a:pPr lvl="1"/>
                 <a:r>
                   <a:rPr lang="en-US" dirty="0"/>
-                  <a:t>Use Neural Network as action value functions (corresponds to upper middle and right)</a:t>
+                  <a:t>Use NN to approximate action value functions</a:t>
                 </a:r>
               </a:p>
               <a:p>
@@ -13591,9 +13680,6 @@
                   <a:rPr lang="en-US" dirty="0"/>
                   <a:t>Optimized with Gradient descent</a:t>
                 </a:r>
-                <a:endParaRPr lang="en-SE" dirty="0"/>
-              </a:p>
-              <a:p>
                 <a:endParaRPr lang="en-SE" dirty="0"/>
               </a:p>
               <a:p>
@@ -13602,7 +13688,7 @@
             </p:txBody>
           </p:sp>
         </mc:Choice>
-        <mc:Fallback xmlns="">
+        <mc:Fallback>
           <p:sp>
             <p:nvSpPr>
               <p:cNvPr id="3" name="Content Placeholder 2">
@@ -13622,12 +13708,12 @@
             <p:spPr>
               <a:xfrm>
                 <a:off x="76200" y="1181819"/>
-                <a:ext cx="4572000" cy="5854027"/>
+                <a:ext cx="4572000" cy="5592691"/>
               </a:xfrm>
               <a:blipFill>
-                <a:blip r:embed="rId2"/>
+                <a:blip r:embed="rId3"/>
                 <a:stretch>
-                  <a:fillRect l="-2000" t="-2188" r="-3200"/>
+                  <a:fillRect l="-2267" t="-2508" r="-1600" b="-2508"/>
                 </a:stretch>
               </a:blipFill>
             </p:spPr>
@@ -13840,7 +13926,7 @@
           <p:nvPr/>
         </p:nvPicPr>
         <p:blipFill>
-          <a:blip r:embed="rId3"/>
+          <a:blip r:embed="rId4"/>
           <a:stretch>
             <a:fillRect/>
           </a:stretch>
@@ -13870,7 +13956,7 @@
           <p:nvPr/>
         </p:nvPicPr>
         <p:blipFill>
-          <a:blip r:embed="rId4"/>
+          <a:blip r:embed="rId5"/>
           <a:stretch>
             <a:fillRect/>
           </a:stretch>
@@ -13888,7 +13974,7 @@
     </p:spTree>
     <p:extLst>
       <p:ext uri="{BB962C8B-B14F-4D97-AF65-F5344CB8AC3E}">
-        <p14:creationId xmlns:p14="http://schemas.microsoft.com/office/powerpoint/2010/main" val="2395473899"/>
+        <p14:creationId xmlns:p14="http://schemas.microsoft.com/office/powerpoint/2010/main" val="2028882238"/>
       </p:ext>
     </p:extLst>
   </p:cSld>
@@ -13944,8 +14030,8 @@
           </a:p>
         </p:txBody>
       </p:sp>
-      <mc:AlternateContent xmlns:mc="http://schemas.openxmlformats.org/markup-compatibility/2006">
-        <mc:Choice xmlns:a14="http://schemas.microsoft.com/office/drawing/2010/main" Requires="a14">
+      <mc:AlternateContent xmlns:mc="http://schemas.openxmlformats.org/markup-compatibility/2006" xmlns:a14="http://schemas.microsoft.com/office/drawing/2010/main">
+        <mc:Choice Requires="a14">
           <p:sp>
             <p:nvSpPr>
               <p:cNvPr id="3" name="Content Placeholder 2">
@@ -14031,7 +14117,7 @@
             </p:txBody>
           </p:sp>
         </mc:Choice>
-        <mc:Fallback>
+        <mc:Fallback xmlns="">
           <p:sp>
             <p:nvSpPr>
               <p:cNvPr id="3" name="Content Placeholder 2">
@@ -23040,7 +23126,7 @@
             <p:spPr>
               <a:xfrm>
                 <a:off x="6991219" y="1589465"/>
-                <a:ext cx="1143775" cy="369332"/>
+                <a:ext cx="1344407" cy="369332"/>
               </a:xfrm>
               <a:prstGeom prst="rect">
                 <a:avLst/>
@@ -23060,7 +23146,7 @@
                     </m:oMathParaPr>
                     <m:oMath xmlns:m="http://schemas.openxmlformats.org/officeDocument/2006/math">
                       <m:r>
-                        <a:rPr lang="en-US" i="1">
+                        <a:rPr lang="en-US" i="1" smtClean="0">
                           <a:latin typeface="Cambria Math" panose="02040503050406030204" pitchFamily="18" charset="0"/>
                         </a:rPr>
                         <m:t>𝑝</m:t>
@@ -23074,6 +23160,18 @@
                           </m:ctrlPr>
                         </m:dPr>
                         <m:e>
+                          <m:r>
+                            <a:rPr lang="en-US" b="0" i="1" smtClean="0">
+                              <a:latin typeface="Cambria Math" panose="02040503050406030204" pitchFamily="18" charset="0"/>
+                            </a:rPr>
+                            <m:t>𝑟</m:t>
+                          </m:r>
+                          <m:r>
+                            <a:rPr lang="en-US" b="0" i="1" smtClean="0">
+                              <a:latin typeface="Cambria Math" panose="02040503050406030204" pitchFamily="18" charset="0"/>
+                            </a:rPr>
+                            <m:t>, </m:t>
+                          </m:r>
                           <m:r>
                             <a:rPr lang="en-US" i="1">
                               <a:latin typeface="Cambria Math" panose="02040503050406030204" pitchFamily="18" charset="0"/>
@@ -23134,7 +23232,7 @@
             <p:spPr>
               <a:xfrm>
                 <a:off x="6991219" y="1589465"/>
-                <a:ext cx="1143775" cy="369332"/>
+                <a:ext cx="1344407" cy="369332"/>
               </a:xfrm>
               <a:prstGeom prst="rect">
                 <a:avLst/>

--- a/PPTs/L7.2 Q-Learning.pptx
+++ b/PPTs/L7.2 Q-Learning.pptx
@@ -715,7 +715,7 @@
           <a:lstStyle/>
           <a:p>
             <a:r>
-              <a:rPr lang="en-US"/>
+              <a:rPr lang="en-US" dirty="0"/>
               <a:t>https://blog.floydhub.com/an-introduction-to-q-learning-reinforcement-learning/</a:t>
             </a:r>
           </a:p>
@@ -6375,8 +6375,8 @@
           <a:chExt cx="0" cy="0"/>
         </a:xfrm>
       </p:grpSpPr>
-      <mc:AlternateContent xmlns:mc="http://schemas.openxmlformats.org/markup-compatibility/2006" xmlns:a14="http://schemas.microsoft.com/office/drawing/2010/main">
-        <mc:Choice Requires="a14">
+      <mc:AlternateContent xmlns:mc="http://schemas.openxmlformats.org/markup-compatibility/2006">
+        <mc:Choice xmlns:a14="http://schemas.microsoft.com/office/drawing/2010/main" Requires="a14">
           <p:sp>
             <p:nvSpPr>
               <p:cNvPr id="3" name="Content Placeholder 2">
@@ -6395,13 +6395,13 @@
             </p:nvSpPr>
             <p:spPr>
               <a:xfrm>
-                <a:off x="457200" y="1131498"/>
-                <a:ext cx="8229600" cy="2546419"/>
+                <a:off x="457200" y="1151819"/>
+                <a:ext cx="8229600" cy="2068902"/>
               </a:xfrm>
             </p:spPr>
             <p:txBody>
               <a:bodyPr>
-                <a:normAutofit fontScale="92500"/>
+                <a:normAutofit fontScale="85000" lnSpcReduction="20000"/>
               </a:bodyPr>
               <a:lstStyle/>
               <a:p>
@@ -7481,6 +7481,463 @@
               <a:p>
                 <a:pPr lvl="1"/>
                 <a:r>
+                  <a:rPr lang="en-US" altLang="zh-CN" sz="1600" dirty="0">
+                    <a:solidFill>
+                      <a:schemeClr val="tx1"/>
+                    </a:solidFill>
+                  </a:rPr>
+                  <a:t>TD Target: </a:t>
+                </a:r>
+                <a14:m>
+                  <m:oMath xmlns:m="http://schemas.openxmlformats.org/officeDocument/2006/math">
+                    <m:sSub>
+                      <m:sSubPr>
+                        <m:ctrlPr>
+                          <a:rPr lang="en-US" sz="1600" i="1" smtClean="0">
+                            <a:solidFill>
+                              <a:schemeClr val="tx1"/>
+                            </a:solidFill>
+                            <a:latin typeface="Cambria Math" panose="02040503050406030204" pitchFamily="18" charset="0"/>
+                          </a:rPr>
+                        </m:ctrlPr>
+                      </m:sSubPr>
+                      <m:e>
+                        <m:r>
+                          <a:rPr lang="en-US" sz="1600" i="1">
+                            <a:solidFill>
+                              <a:schemeClr val="tx1"/>
+                            </a:solidFill>
+                            <a:latin typeface="Cambria Math" panose="02040503050406030204" pitchFamily="18" charset="0"/>
+                          </a:rPr>
+                          <m:t>𝑅</m:t>
+                        </m:r>
+                      </m:e>
+                      <m:sub>
+                        <m:r>
+                          <a:rPr lang="en-US" sz="1600" i="1">
+                            <a:solidFill>
+                              <a:schemeClr val="tx1"/>
+                            </a:solidFill>
+                            <a:latin typeface="Cambria Math" panose="02040503050406030204" pitchFamily="18" charset="0"/>
+                          </a:rPr>
+                          <m:t>𝑡</m:t>
+                        </m:r>
+                        <m:r>
+                          <a:rPr lang="en-US" sz="1600" i="1">
+                            <a:solidFill>
+                              <a:schemeClr val="tx1"/>
+                            </a:solidFill>
+                            <a:latin typeface="Cambria Math" panose="02040503050406030204" pitchFamily="18" charset="0"/>
+                          </a:rPr>
+                          <m:t>+1</m:t>
+                        </m:r>
+                      </m:sub>
+                    </m:sSub>
+                    <m:r>
+                      <a:rPr lang="en-US" sz="1600" i="1">
+                        <a:solidFill>
+                          <a:schemeClr val="tx1"/>
+                        </a:solidFill>
+                        <a:latin typeface="Cambria Math" panose="02040503050406030204" pitchFamily="18" charset="0"/>
+                      </a:rPr>
+                      <m:t>+</m:t>
+                    </m:r>
+                    <m:r>
+                      <a:rPr lang="en-US" sz="1600" i="1">
+                        <a:solidFill>
+                          <a:schemeClr val="tx1"/>
+                        </a:solidFill>
+                        <a:latin typeface="Cambria Math" panose="02040503050406030204" pitchFamily="18" charset="0"/>
+                      </a:rPr>
+                      <m:t>𝛾</m:t>
+                    </m:r>
+                    <m:func>
+                      <m:funcPr>
+                        <m:ctrlPr>
+                          <a:rPr lang="en-US" sz="1600" b="0" i="1" smtClean="0">
+                            <a:solidFill>
+                              <a:schemeClr val="tx1"/>
+                            </a:solidFill>
+                            <a:latin typeface="Cambria Math" panose="02040503050406030204" pitchFamily="18" charset="0"/>
+                          </a:rPr>
+                        </m:ctrlPr>
+                      </m:funcPr>
+                      <m:fName>
+                        <m:limLow>
+                          <m:limLowPr>
+                            <m:ctrlPr>
+                              <a:rPr lang="en-US" sz="1600" b="0" i="1" smtClean="0">
+                                <a:solidFill>
+                                  <a:schemeClr val="tx1"/>
+                                </a:solidFill>
+                                <a:latin typeface="Cambria Math" panose="02040503050406030204" pitchFamily="18" charset="0"/>
+                              </a:rPr>
+                            </m:ctrlPr>
+                          </m:limLowPr>
+                          <m:e>
+                            <m:r>
+                              <m:rPr>
+                                <m:sty m:val="p"/>
+                              </m:rPr>
+                              <a:rPr lang="en-US" sz="1600" b="0" i="0" smtClean="0">
+                                <a:solidFill>
+                                  <a:schemeClr val="tx1"/>
+                                </a:solidFill>
+                                <a:latin typeface="Cambria Math" panose="02040503050406030204" pitchFamily="18" charset="0"/>
+                              </a:rPr>
+                              <m:t>max</m:t>
+                            </m:r>
+                          </m:e>
+                          <m:lim>
+                            <m:r>
+                              <a:rPr lang="en-US" sz="1600" b="0" i="1" smtClean="0">
+                                <a:solidFill>
+                                  <a:schemeClr val="tx1"/>
+                                </a:solidFill>
+                                <a:latin typeface="Cambria Math" panose="02040503050406030204" pitchFamily="18" charset="0"/>
+                              </a:rPr>
+                              <m:t>𝑎</m:t>
+                            </m:r>
+                          </m:lim>
+                        </m:limLow>
+                      </m:fName>
+                      <m:e>
+                        <m:r>
+                          <a:rPr lang="en-US" sz="1600" i="1">
+                            <a:solidFill>
+                              <a:schemeClr val="tx1"/>
+                            </a:solidFill>
+                            <a:latin typeface="Cambria Math" panose="02040503050406030204" pitchFamily="18" charset="0"/>
+                          </a:rPr>
+                          <m:t>𝑄</m:t>
+                        </m:r>
+                        <m:d>
+                          <m:dPr>
+                            <m:ctrlPr>
+                              <a:rPr lang="en-US" sz="1600" i="1">
+                                <a:solidFill>
+                                  <a:schemeClr val="tx1"/>
+                                </a:solidFill>
+                                <a:latin typeface="Cambria Math" panose="02040503050406030204" pitchFamily="18" charset="0"/>
+                              </a:rPr>
+                            </m:ctrlPr>
+                          </m:dPr>
+                          <m:e>
+                            <m:sSub>
+                              <m:sSubPr>
+                                <m:ctrlPr>
+                                  <a:rPr lang="en-US" sz="1600" i="1">
+                                    <a:solidFill>
+                                      <a:schemeClr val="tx1"/>
+                                    </a:solidFill>
+                                    <a:latin typeface="Cambria Math" panose="02040503050406030204" pitchFamily="18" charset="0"/>
+                                  </a:rPr>
+                                </m:ctrlPr>
+                              </m:sSubPr>
+                              <m:e>
+                                <m:r>
+                                  <a:rPr lang="en-US" sz="1600" i="1">
+                                    <a:solidFill>
+                                      <a:schemeClr val="tx1"/>
+                                    </a:solidFill>
+                                    <a:latin typeface="Cambria Math" panose="02040503050406030204" pitchFamily="18" charset="0"/>
+                                  </a:rPr>
+                                  <m:t>𝑆</m:t>
+                                </m:r>
+                              </m:e>
+                              <m:sub>
+                                <m:r>
+                                  <a:rPr lang="en-US" sz="1600" i="1">
+                                    <a:solidFill>
+                                      <a:schemeClr val="tx1"/>
+                                    </a:solidFill>
+                                    <a:latin typeface="Cambria Math" panose="02040503050406030204" pitchFamily="18" charset="0"/>
+                                  </a:rPr>
+                                  <m:t>𝑡</m:t>
+                                </m:r>
+                                <m:r>
+                                  <a:rPr lang="en-US" sz="1600" i="1">
+                                    <a:solidFill>
+                                      <a:schemeClr val="tx1"/>
+                                    </a:solidFill>
+                                    <a:latin typeface="Cambria Math" panose="02040503050406030204" pitchFamily="18" charset="0"/>
+                                  </a:rPr>
+                                  <m:t>+1</m:t>
+                                </m:r>
+                              </m:sub>
+                            </m:sSub>
+                            <m:r>
+                              <a:rPr lang="en-US" sz="1600" i="1">
+                                <a:solidFill>
+                                  <a:schemeClr val="tx1"/>
+                                </a:solidFill>
+                                <a:latin typeface="Cambria Math" panose="02040503050406030204" pitchFamily="18" charset="0"/>
+                              </a:rPr>
+                              <m:t>,</m:t>
+                            </m:r>
+                            <m:r>
+                              <a:rPr lang="en-US" sz="1600" b="0" i="1" smtClean="0">
+                                <a:solidFill>
+                                  <a:schemeClr val="tx1"/>
+                                </a:solidFill>
+                                <a:latin typeface="Cambria Math" panose="02040503050406030204" pitchFamily="18" charset="0"/>
+                              </a:rPr>
+                              <m:t>𝑎</m:t>
+                            </m:r>
+                          </m:e>
+                        </m:d>
+                      </m:e>
+                    </m:func>
+                  </m:oMath>
+                </a14:m>
+                <a:r>
+                  <a:rPr lang="en-US" sz="1600" dirty="0">
+                    <a:solidFill>
+                      <a:schemeClr val="tx1"/>
+                    </a:solidFill>
+                  </a:rPr>
+                  <a:t>; </a:t>
+                </a:r>
+                <a:r>
+                  <a:rPr lang="en-US" altLang="zh-CN" sz="1600" dirty="0"/>
+                  <a:t>TD Error: </a:t>
+                </a:r>
+                <a14:m>
+                  <m:oMath xmlns:m="http://schemas.openxmlformats.org/officeDocument/2006/math">
+                    <m:sSub>
+                      <m:sSubPr>
+                        <m:ctrlPr>
+                          <a:rPr lang="en-US" sz="1600" i="1">
+                            <a:latin typeface="Cambria Math" panose="02040503050406030204" pitchFamily="18" charset="0"/>
+                          </a:rPr>
+                        </m:ctrlPr>
+                      </m:sSubPr>
+                      <m:e>
+                        <m:r>
+                          <a:rPr lang="en-US" sz="1600" i="1">
+                            <a:latin typeface="Cambria Math" panose="02040503050406030204" pitchFamily="18" charset="0"/>
+                          </a:rPr>
+                          <m:t>𝑅</m:t>
+                        </m:r>
+                      </m:e>
+                      <m:sub>
+                        <m:r>
+                          <a:rPr lang="en-US" sz="1600" i="1">
+                            <a:latin typeface="Cambria Math" panose="02040503050406030204" pitchFamily="18" charset="0"/>
+                          </a:rPr>
+                          <m:t>𝑡</m:t>
+                        </m:r>
+                        <m:r>
+                          <a:rPr lang="en-US" sz="1600" i="1">
+                            <a:latin typeface="Cambria Math" panose="02040503050406030204" pitchFamily="18" charset="0"/>
+                          </a:rPr>
+                          <m:t>+1</m:t>
+                        </m:r>
+                      </m:sub>
+                    </m:sSub>
+                    <m:r>
+                      <a:rPr lang="en-US" sz="1600" i="1">
+                        <a:latin typeface="Cambria Math" panose="02040503050406030204" pitchFamily="18" charset="0"/>
+                      </a:rPr>
+                      <m:t>+</m:t>
+                    </m:r>
+                    <m:r>
+                      <a:rPr lang="en-US" sz="1600" i="1">
+                        <a:latin typeface="Cambria Math" panose="02040503050406030204" pitchFamily="18" charset="0"/>
+                      </a:rPr>
+                      <m:t>𝛾</m:t>
+                    </m:r>
+                    <m:func>
+                      <m:funcPr>
+                        <m:ctrlPr>
+                          <a:rPr lang="en-US" sz="1600" i="1">
+                            <a:latin typeface="Cambria Math" panose="02040503050406030204" pitchFamily="18" charset="0"/>
+                          </a:rPr>
+                        </m:ctrlPr>
+                      </m:funcPr>
+                      <m:fName>
+                        <m:limLow>
+                          <m:limLowPr>
+                            <m:ctrlPr>
+                              <a:rPr lang="en-US" sz="1600" i="1">
+                                <a:latin typeface="Cambria Math" panose="02040503050406030204" pitchFamily="18" charset="0"/>
+                              </a:rPr>
+                            </m:ctrlPr>
+                          </m:limLowPr>
+                          <m:e>
+                            <m:r>
+                              <m:rPr>
+                                <m:sty m:val="p"/>
+                              </m:rPr>
+                              <a:rPr lang="en-US" sz="1600">
+                                <a:latin typeface="Cambria Math" panose="02040503050406030204" pitchFamily="18" charset="0"/>
+                              </a:rPr>
+                              <m:t>max</m:t>
+                            </m:r>
+                          </m:e>
+                          <m:lim>
+                            <m:r>
+                              <a:rPr lang="en-US" sz="1600" i="1">
+                                <a:latin typeface="Cambria Math" panose="02040503050406030204" pitchFamily="18" charset="0"/>
+                              </a:rPr>
+                              <m:t>𝑎</m:t>
+                            </m:r>
+                          </m:lim>
+                        </m:limLow>
+                      </m:fName>
+                      <m:e>
+                        <m:r>
+                          <a:rPr lang="en-US" sz="1600" i="1">
+                            <a:latin typeface="Cambria Math" panose="02040503050406030204" pitchFamily="18" charset="0"/>
+                          </a:rPr>
+                          <m:t>𝑄</m:t>
+                        </m:r>
+                        <m:d>
+                          <m:dPr>
+                            <m:ctrlPr>
+                              <a:rPr lang="en-US" sz="1600" i="1">
+                                <a:latin typeface="Cambria Math" panose="02040503050406030204" pitchFamily="18" charset="0"/>
+                              </a:rPr>
+                            </m:ctrlPr>
+                          </m:dPr>
+                          <m:e>
+                            <m:sSub>
+                              <m:sSubPr>
+                                <m:ctrlPr>
+                                  <a:rPr lang="en-US" sz="1600" i="1">
+                                    <a:latin typeface="Cambria Math" panose="02040503050406030204" pitchFamily="18" charset="0"/>
+                                  </a:rPr>
+                                </m:ctrlPr>
+                              </m:sSubPr>
+                              <m:e>
+                                <m:r>
+                                  <a:rPr lang="en-US" sz="1600" i="1">
+                                    <a:latin typeface="Cambria Math" panose="02040503050406030204" pitchFamily="18" charset="0"/>
+                                  </a:rPr>
+                                  <m:t>𝑆</m:t>
+                                </m:r>
+                              </m:e>
+                              <m:sub>
+                                <m:r>
+                                  <a:rPr lang="en-US" sz="1600" i="1">
+                                    <a:latin typeface="Cambria Math" panose="02040503050406030204" pitchFamily="18" charset="0"/>
+                                  </a:rPr>
+                                  <m:t>𝑡</m:t>
+                                </m:r>
+                                <m:r>
+                                  <a:rPr lang="en-US" sz="1600" i="1">
+                                    <a:latin typeface="Cambria Math" panose="02040503050406030204" pitchFamily="18" charset="0"/>
+                                  </a:rPr>
+                                  <m:t>+1</m:t>
+                                </m:r>
+                              </m:sub>
+                            </m:sSub>
+                            <m:r>
+                              <a:rPr lang="en-US" sz="1600" i="1">
+                                <a:latin typeface="Cambria Math" panose="02040503050406030204" pitchFamily="18" charset="0"/>
+                              </a:rPr>
+                              <m:t>,</m:t>
+                            </m:r>
+                            <m:r>
+                              <a:rPr lang="en-US" sz="1600" i="1">
+                                <a:latin typeface="Cambria Math" panose="02040503050406030204" pitchFamily="18" charset="0"/>
+                              </a:rPr>
+                              <m:t>𝑎</m:t>
+                            </m:r>
+                          </m:e>
+                        </m:d>
+                      </m:e>
+                    </m:func>
+                    <m:r>
+                      <a:rPr lang="en-US" sz="1600" i="1">
+                        <a:latin typeface="Cambria Math" panose="02040503050406030204" pitchFamily="18" charset="0"/>
+                      </a:rPr>
+                      <m:t>−</m:t>
+                    </m:r>
+                    <m:r>
+                      <a:rPr lang="en-US" sz="1600" i="1">
+                        <a:latin typeface="Cambria Math" panose="02040503050406030204" pitchFamily="18" charset="0"/>
+                      </a:rPr>
+                      <m:t>𝑄</m:t>
+                    </m:r>
+                    <m:d>
+                      <m:dPr>
+                        <m:ctrlPr>
+                          <a:rPr lang="en-US" sz="1600" i="1">
+                            <a:latin typeface="Cambria Math" panose="02040503050406030204" pitchFamily="18" charset="0"/>
+                          </a:rPr>
+                        </m:ctrlPr>
+                      </m:dPr>
+                      <m:e>
+                        <m:sSub>
+                          <m:sSubPr>
+                            <m:ctrlPr>
+                              <a:rPr lang="en-US" sz="1600" i="1">
+                                <a:latin typeface="Cambria Math" panose="02040503050406030204" pitchFamily="18" charset="0"/>
+                              </a:rPr>
+                            </m:ctrlPr>
+                          </m:sSubPr>
+                          <m:e>
+                            <m:r>
+                              <a:rPr lang="en-US" sz="1600" i="1">
+                                <a:latin typeface="Cambria Math" panose="02040503050406030204" pitchFamily="18" charset="0"/>
+                              </a:rPr>
+                              <m:t>𝑆</m:t>
+                            </m:r>
+                          </m:e>
+                          <m:sub>
+                            <m:r>
+                              <a:rPr lang="en-US" sz="1600" i="1">
+                                <a:latin typeface="Cambria Math" panose="02040503050406030204" pitchFamily="18" charset="0"/>
+                              </a:rPr>
+                              <m:t>𝑡</m:t>
+                            </m:r>
+                          </m:sub>
+                        </m:sSub>
+                        <m:r>
+                          <a:rPr lang="en-US" sz="1600" i="1">
+                            <a:latin typeface="Cambria Math" panose="02040503050406030204" pitchFamily="18" charset="0"/>
+                          </a:rPr>
+                          <m:t>,</m:t>
+                        </m:r>
+                        <m:sSub>
+                          <m:sSubPr>
+                            <m:ctrlPr>
+                              <a:rPr lang="en-US" sz="1600" i="1">
+                                <a:latin typeface="Cambria Math" panose="02040503050406030204" pitchFamily="18" charset="0"/>
+                              </a:rPr>
+                            </m:ctrlPr>
+                          </m:sSubPr>
+                          <m:e>
+                            <m:r>
+                              <a:rPr lang="en-US" sz="1600" i="1">
+                                <a:latin typeface="Cambria Math" panose="02040503050406030204" pitchFamily="18" charset="0"/>
+                              </a:rPr>
+                              <m:t>𝐴</m:t>
+                            </m:r>
+                          </m:e>
+                          <m:sub>
+                            <m:r>
+                              <a:rPr lang="en-US" sz="1600" i="1">
+                                <a:latin typeface="Cambria Math" panose="02040503050406030204" pitchFamily="18" charset="0"/>
+                              </a:rPr>
+                              <m:t>𝑡</m:t>
+                            </m:r>
+                          </m:sub>
+                        </m:sSub>
+                      </m:e>
+                    </m:d>
+                  </m:oMath>
+                </a14:m>
+                <a:endParaRPr lang="en-US" sz="1600" dirty="0">
+                  <a:solidFill>
+                    <a:schemeClr val="tx1"/>
+                  </a:solidFill>
+                </a:endParaRPr>
+              </a:p>
+              <a:p>
+                <a:pPr lvl="1"/>
+                <a:r>
                   <a:rPr lang="en-US" sz="1600" dirty="0">
                     <a:solidFill>
                       <a:schemeClr val="tx1"/>
@@ -7644,7 +8101,7 @@
             </p:txBody>
           </p:sp>
         </mc:Choice>
-        <mc:Fallback xmlns="">
+        <mc:Fallback>
           <p:sp>
             <p:nvSpPr>
               <p:cNvPr id="3" name="Content Placeholder 2">
@@ -7663,13 +8120,13 @@
             </p:nvSpPr>
             <p:spPr>
               <a:xfrm>
-                <a:off x="457200" y="1131498"/>
-                <a:ext cx="8229600" cy="2546419"/>
+                <a:off x="457200" y="1151819"/>
+                <a:ext cx="8229600" cy="2068902"/>
               </a:xfrm>
               <a:blipFill>
                 <a:blip r:embed="rId3"/>
                 <a:stretch>
-                  <a:fillRect l="-519" t="-1439"/>
+                  <a:fillRect l="-370" t="-3540"/>
                 </a:stretch>
               </a:blipFill>
             </p:spPr>
@@ -7782,8 +8239,8 @@
           </a:p>
         </p:txBody>
       </p:sp>
-      <mc:AlternateContent xmlns:mc="http://schemas.openxmlformats.org/markup-compatibility/2006">
-        <mc:Choice xmlns:a14="http://schemas.microsoft.com/office/drawing/2010/main" Requires="a14">
+      <mc:AlternateContent xmlns:mc="http://schemas.openxmlformats.org/markup-compatibility/2006" xmlns:a14="http://schemas.microsoft.com/office/drawing/2010/main">
+        <mc:Choice Requires="a14">
           <p:sp>
             <p:nvSpPr>
               <p:cNvPr id="11" name="TextBox 10">
@@ -8015,7 +8472,7 @@
             </p:txBody>
           </p:sp>
         </mc:Choice>
-        <mc:Fallback>
+        <mc:Fallback xmlns="">
           <p:sp>
             <p:nvSpPr>
               <p:cNvPr id="11" name="TextBox 10">
@@ -8647,8 +9104,8 @@
           </a:p>
         </p:txBody>
       </p:sp>
-      <mc:AlternateContent xmlns:mc="http://schemas.openxmlformats.org/markup-compatibility/2006">
-        <mc:Choice xmlns:a14="http://schemas.microsoft.com/office/drawing/2010/main" Requires="a14">
+      <mc:AlternateContent xmlns:mc="http://schemas.openxmlformats.org/markup-compatibility/2006" xmlns:a14="http://schemas.microsoft.com/office/drawing/2010/main">
+        <mc:Choice Requires="a14">
           <p:sp>
             <p:nvSpPr>
               <p:cNvPr id="3" name="Content Placeholder 2">
@@ -8808,7 +9265,7 @@
             </p:txBody>
           </p:sp>
         </mc:Choice>
-        <mc:Fallback>
+        <mc:Fallback xmlns="">
           <p:sp>
             <p:nvSpPr>
               <p:cNvPr id="3" name="Content Placeholder 2">
@@ -13249,8 +13706,8 @@
           </a:p>
         </p:txBody>
       </p:sp>
-      <mc:AlternateContent xmlns:mc="http://schemas.openxmlformats.org/markup-compatibility/2006">
-        <mc:Choice xmlns:a14="http://schemas.microsoft.com/office/drawing/2010/main" Requires="a14">
+      <mc:AlternateContent xmlns:mc="http://schemas.openxmlformats.org/markup-compatibility/2006" xmlns:a14="http://schemas.microsoft.com/office/drawing/2010/main">
+        <mc:Choice Requires="a14">
           <p:sp>
             <p:nvSpPr>
               <p:cNvPr id="3" name="Content Placeholder 2">
@@ -13688,7 +14145,7 @@
             </p:txBody>
           </p:sp>
         </mc:Choice>
-        <mc:Fallback>
+        <mc:Fallback xmlns="">
           <p:sp>
             <p:nvSpPr>
               <p:cNvPr id="3" name="Content Placeholder 2">
